--- a/output_ppt.pptx
+++ b/output_ppt.pptx
@@ -3326,7 +3326,7 @@
                 </a:solidFill>
                 <a:latin typeface="Decalotype Bold"/>
               </a:rPr>
-              <a:t>Welcome to the landing page</a:t>
+              <a:t>Digital Marketing: A Comprehensive Exploration</a:t>
             </a:r>
           </a:p>
           <a:p>
@@ -3427,7 +3427,7 @@
                 </a:solidFill>
                 <a:latin typeface="Decalotype Bold"/>
               </a:rPr>
-              <a:t>The Art of Expressing Love</a:t>
+              <a:t>Social Media Marketing</a:t>
             </a:r>
           </a:p>
         </p:txBody>
@@ -3675,7 +3675,7 @@
                 </a:solidFill>
                 <a:latin typeface="Aileron Bold"/>
               </a:rPr>
-              <a:t>Matching Love Languages in Relationships</a:t>
+              <a:t>Content Mix</a:t>
             </a:r>
           </a:p>
         </p:txBody>
@@ -3737,7 +3737,7 @@
                 </a:solidFill>
                 <a:latin typeface="Aileron"/>
               </a:rPr>
-              <a:t>When partners understand and cater to each other's love languages, relationships become more fulfilling; Misunderstandings can be avoided through thoughtful communication.</a:t>
+              <a:t>Developing a diverse content mix that includes text, images, videos, and interactive elements keeps your audience engaged and interested.</a:t>
             </a:r>
           </a:p>
           <a:p>
@@ -3797,7 +3797,7 @@
                 </a:solidFill>
                 <a:latin typeface="Aileron Bold"/>
               </a:rPr>
-              <a:t>Understanding Love Languages</a:t>
+              <a:t>Platform Strategy</a:t>
             </a:r>
           </a:p>
         </p:txBody>
@@ -3850,7 +3850,7 @@
                 </a:solidFill>
                 <a:latin typeface="Aileron Bold"/>
               </a:rPr>
-              <a:t>The Five Love Languages</a:t>
+              <a:t>Audience Alignment</a:t>
             </a:r>
           </a:p>
         </p:txBody>
@@ -3915,7 +3915,7 @@
                 </a:solidFill>
                 <a:latin typeface="Aileron"/>
               </a:rPr>
-              <a:t>People express and receive love differently through words of affirmation, acts of service, gifts, quality time, and physical touch; Recognizing these languages enhances communication.</a:t>
+              <a:t>Selecting social media platforms that align with your target audience's demographics and interests is crucial for maximizing reach and engagement.</a:t>
             </a:r>
           </a:p>
         </p:txBody>
@@ -3997,7 +3997,7 @@
                 </a:solidFill>
                 <a:latin typeface="Decalotype"/>
               </a:rPr>
-              <a:t>Effective Communication in Love</a:t>
+              <a:t>Engagement Techniques</a:t>
             </a:r>
           </a:p>
         </p:txBody>
@@ -4047,7 +4047,7 @@
                 </a:solidFill>
                 <a:latin typeface="Aileron"/>
               </a:rPr>
-              <a:t>Honest, open communication is the cornerstone of any healthy relationship; It fosters trust, understanding, and emotional intimacy.</a:t>
+              <a:t>Building a strong online community fosters brand loyalty and encourages user-generated content, enhancing your social media presence.</a:t>
             </a:r>
           </a:p>
         </p:txBody>
@@ -4097,7 +4097,7 @@
                 </a:solidFill>
                 <a:latin typeface="Aileron"/>
               </a:rPr>
-              <a:t>Listening actively is crucial for understanding your partner's perspective and feelings; Empathy allows you to connect on a deeper emotional level.</a:t>
+              <a:t>Using interactive content like polls, quizzes, and contests increases engagement and encourages users to actively participate with your brand.</a:t>
             </a:r>
           </a:p>
         </p:txBody>
@@ -4269,7 +4269,7 @@
                 </a:solidFill>
                 <a:latin typeface="Decalotype Bold"/>
               </a:rPr>
-              <a:t>Importance of Open Dialogue</a:t>
+              <a:t>Community Building</a:t>
             </a:r>
           </a:p>
         </p:txBody>
@@ -4319,7 +4319,7 @@
                 </a:solidFill>
                 <a:latin typeface="Decalotype Bold"/>
               </a:rPr>
-              <a:t>Active Listening and Empathy</a:t>
+              <a:t>Interactive Content</a:t>
             </a:r>
           </a:p>
         </p:txBody>
@@ -4413,7 +4413,7 @@
                 </a:solidFill>
                 <a:latin typeface="Decalotype Bold"/>
               </a:rPr>
-              <a:t>The Science of Maintaining Love</a:t>
+              <a:t>Content Marketing</a:t>
             </a:r>
           </a:p>
         </p:txBody>
@@ -4661,7 +4661,7 @@
                 </a:solidFill>
                 <a:latin typeface="Aileron Bold"/>
               </a:rPr>
-              <a:t>Maintaining Connection Over Time</a:t>
+              <a:t>Video Marketing</a:t>
             </a:r>
           </a:p>
         </p:txBody>
@@ -4723,7 +4723,7 @@
                 </a:solidFill>
                 <a:latin typeface="Aileron"/>
               </a:rPr>
-              <a:t>Couples who prioritize spending quality time together, maintain shared interests, and support each other's personal growth are more likely to stay connected.</a:t>
+              <a:t>Video marketing is a powerful way to connect with your audience, showcase your products or services, and increase brand awareness.</a:t>
             </a:r>
           </a:p>
           <a:p>
@@ -4783,7 +4783,7 @@
                 </a:solidFill>
                 <a:latin typeface="Aileron Bold"/>
               </a:rPr>
-              <a:t>Commitment and Relationship Satisfaction</a:t>
+              <a:t>Content Creation</a:t>
             </a:r>
           </a:p>
         </p:txBody>
@@ -4836,7 +4836,7 @@
                 </a:solidFill>
                 <a:latin typeface="Aileron Bold"/>
               </a:rPr>
-              <a:t>The Role of Commitment</a:t>
+              <a:t>Blog Posts</a:t>
             </a:r>
           </a:p>
         </p:txBody>
@@ -4901,7 +4901,7 @@
                 </a:solidFill>
                 <a:latin typeface="Aileron"/>
               </a:rPr>
-              <a:t>Commitment involves a conscious decision to stay with your partner through thick and thin; It's a key predictor of long-term relationship success.</a:t>
+              <a:t>Informative and engaging blog posts can attract potential customers, establish your brand as an authority, and improve your website's SEO.</a:t>
             </a:r>
           </a:p>
         </p:txBody>
@@ -4983,7 +4983,7 @@
                 </a:solidFill>
                 <a:latin typeface="Decalotype"/>
               </a:rPr>
-              <a:t>Navigating Challenges in Love</a:t>
+              <a:t>Content Distribution</a:t>
             </a:r>
           </a:p>
         </p:txBody>
@@ -5033,7 +5033,7 @@
                 </a:solidFill>
                 <a:latin typeface="Aileron"/>
               </a:rPr>
-              <a:t>Conflict is inevitable in any relationship, but how you handle it matters; Effective strategies include compromise, negotiation, and seeking common ground.</a:t>
+              <a:t>Sharing your content on social media platforms increases its visibility and reach, driving traffic to your website and engaging with your audience.</a:t>
             </a:r>
           </a:p>
         </p:txBody>
@@ -5083,7 +5083,7 @@
                 </a:solidFill>
                 <a:latin typeface="Aileron"/>
               </a:rPr>
-              <a:t>Forgiveness is essential for moving past hurts and rebuilding trust; It takes time and effort, but it's crucial for maintaining a healthy relationship.</a:t>
+              <a:t>Email marketing allows you to nurture leads, promote your content, and stay in touch with your audience, driving conversions and building customer loyalty.</a:t>
             </a:r>
           </a:p>
         </p:txBody>
@@ -5255,7 +5255,7 @@
                 </a:solidFill>
                 <a:latin typeface="Decalotype Bold"/>
               </a:rPr>
-              <a:t>Conflict Resolution Techniques</a:t>
+              <a:t>Social Sharing</a:t>
             </a:r>
           </a:p>
         </p:txBody>
@@ -5305,7 +5305,7 @@
                 </a:solidFill>
                 <a:latin typeface="Decalotype Bold"/>
               </a:rPr>
-              <a:t>Forgiveness and Healing</a:t>
+              <a:t>Email Marketing</a:t>
             </a:r>
           </a:p>
         </p:txBody>
@@ -5399,7 +5399,7 @@
                 </a:solidFill>
                 <a:latin typeface="Decalotype Bold"/>
               </a:rPr>
-              <a:t>Love in Different Contexts</a:t>
+              <a:t>Email Marketing</a:t>
             </a:r>
           </a:p>
         </p:txBody>
@@ -5647,7 +5647,7 @@
                 </a:solidFill>
                 <a:latin typeface="Aileron Bold"/>
               </a:rPr>
-              <a:t>Nurturing Family Relationships</a:t>
+              <a:t>Behavioral Segmentation</a:t>
             </a:r>
           </a:p>
         </p:txBody>
@@ -5709,7 +5709,7 @@
                 </a:solidFill>
                 <a:latin typeface="Aileron"/>
               </a:rPr>
-              <a:t>Spending quality time together, showing appreciation, and practicing empathy are key to strengthening family bonds; Navigating conflicts constructively is also important.</a:t>
+              <a:t>Segmenting your email list based on user behavior, such as website visits and past purchases, allows you to send tailored messages that resonate with their interests.</a:t>
             </a:r>
           </a:p>
           <a:p>
@@ -5769,7 +5769,7 @@
                 </a:solidFill>
                 <a:latin typeface="Aileron Bold"/>
               </a:rPr>
-              <a:t>Familial Love</a:t>
+              <a:t>List Segmentation</a:t>
             </a:r>
           </a:p>
         </p:txBody>
@@ -5822,7 +5822,7 @@
                 </a:solidFill>
                 <a:latin typeface="Aileron Bold"/>
               </a:rPr>
-              <a:t>The Bonds of Family</a:t>
+              <a:t>Demographic Segmentation</a:t>
             </a:r>
           </a:p>
         </p:txBody>
@@ -5887,7 +5887,7 @@
                 </a:solidFill>
                 <a:latin typeface="Aileron"/>
               </a:rPr>
-              <a:t>Familial love provides a foundation of support, security, and belonging; It influences our development and shapes our values.</a:t>
+              <a:t>Segmenting your email list based on demographic data allows you to personalize your messages and target specific groups with relevant offers.</a:t>
             </a:r>
           </a:p>
         </p:txBody>
@@ -5969,7 +5969,7 @@
                 </a:solidFill>
                 <a:latin typeface="Decalotype"/>
               </a:rPr>
-              <a:t>Platonic Love</a:t>
+              <a:t>Campaign Optimization</a:t>
             </a:r>
           </a:p>
         </p:txBody>
@@ -6019,7 +6019,7 @@
                 </a:solidFill>
                 <a:latin typeface="Aileron"/>
               </a:rPr>
-              <a:t>Platonic love offers emotional support, companionship, and shared experiences without romantic or sexual attraction.; It is often underestimated.</a:t>
+              <a:t>A/B testing different email elements, such as subject lines and calls to action, helps you optimize your campaigns for maximum engagement and conversion rates.</a:t>
             </a:r>
           </a:p>
         </p:txBody>
@@ -6069,7 +6069,7 @@
                 </a:solidFill>
                 <a:latin typeface="Aileron"/>
               </a:rPr>
-              <a:t>Respecting boundaries, being reliable, and communicating openly are essential for successful platonic relationships; Friendships enrich our lives and provide valuable support.</a:t>
+              <a:t>Tracking key email marketing metrics, such as open rates and click-through rates, provides valuable insights into the performance of your campaigns and allows you to make data-driven improvements.</a:t>
             </a:r>
           </a:p>
         </p:txBody>
@@ -6241,7 +6241,7 @@
                 </a:solidFill>
                 <a:latin typeface="Decalotype Bold"/>
               </a:rPr>
-              <a:t>The Value of Friendship</a:t>
+              <a:t>A/B Testing</a:t>
             </a:r>
           </a:p>
         </p:txBody>
@@ -6291,7 +6291,7 @@
                 </a:solidFill>
                 <a:latin typeface="Decalotype Bold"/>
               </a:rPr>
-              <a:t>Maintaining Healthy Friendships</a:t>
+              <a:t>Tracking Metrics</a:t>
             </a:r>
           </a:p>
         </p:txBody>
@@ -6385,7 +6385,7 @@
                 </a:solidFill>
                 <a:latin typeface="Decalotype Bold"/>
               </a:rPr>
-              <a:t>Cultural Perspectives on Love</a:t>
+              <a:t>Analytics &amp; Measurement</a:t>
             </a:r>
           </a:p>
         </p:txBody>
@@ -6753,7 +6753,7 @@
                 </a:solidFill>
                 <a:latin typeface="Aileron"/>
               </a:rPr>
-              <a:t>Introduction to Love</a:t>
+              <a:t>SEO Fundamentals</a:t>
             </a:r>
           </a:p>
         </p:txBody>
@@ -6980,7 +6980,7 @@
                 </a:solidFill>
                 <a:latin typeface="Aileron"/>
               </a:rPr>
-              <a:t>The Psychology of Love</a:t>
+              <a:t>PPC Advertising</a:t>
             </a:r>
           </a:p>
         </p:txBody>
@@ -7206,7 +7206,7 @@
                 </a:solidFill>
                 <a:latin typeface="Aileron"/>
               </a:rPr>
-              <a:t>The Art of Expressing Love</a:t>
+              <a:t>Social Media Marketing</a:t>
             </a:r>
           </a:p>
         </p:txBody>
@@ -7432,7 +7432,7 @@
                 </a:solidFill>
                 <a:latin typeface="Aileron"/>
               </a:rPr>
-              <a:t>Love in Different Contexts</a:t>
+              <a:t>Email Marketing</a:t>
             </a:r>
           </a:p>
         </p:txBody>
@@ -7658,7 +7658,7 @@
                 </a:solidFill>
                 <a:latin typeface="Aileron"/>
               </a:rPr>
-              <a:t>The Science of Maintaining Love</a:t>
+              <a:t>Content Marketing</a:t>
             </a:r>
           </a:p>
         </p:txBody>
@@ -7884,7 +7884,7 @@
                 </a:solidFill>
                 <a:latin typeface="Aileron"/>
               </a:rPr>
-              <a:t>Cultural Perspectives on Love</a:t>
+              <a:t>Analytics &amp; Measurement</a:t>
             </a:r>
           </a:p>
         </p:txBody>
@@ -8063,7 +8063,7 @@
                 </a:solidFill>
                 <a:latin typeface="Aileron Bold"/>
               </a:rPr>
-              <a:t>Marriage and Relationships in Different Societies</a:t>
+              <a:t>Conversion Rates</a:t>
             </a:r>
           </a:p>
         </p:txBody>
@@ -8125,7 +8125,7 @@
                 </a:solidFill>
                 <a:latin typeface="Aileron"/>
               </a:rPr>
-              <a:t>Cultural norms influence marriage practices, relationship expectations, and gender roles; The concept of romantic love varies across cultures too.</a:t>
+              <a:t>Tracking conversion rates helps you understand how well your marketing campaigns are converting visitors into customers or leads.</a:t>
             </a:r>
           </a:p>
           <a:p>
@@ -8185,7 +8185,7 @@
                 </a:solidFill>
                 <a:latin typeface="Aileron Bold"/>
               </a:rPr>
-              <a:t>Love Across Cultures</a:t>
+              <a:t>Key Performance Indicators</a:t>
             </a:r>
           </a:p>
         </p:txBody>
@@ -8238,7 +8238,7 @@
                 </a:solidFill>
                 <a:latin typeface="Aileron Bold"/>
               </a:rPr>
-              <a:t>Variations in Expressions of Love</a:t>
+              <a:t>Website Traffic</a:t>
             </a:r>
           </a:p>
         </p:txBody>
@@ -8303,7 +8303,7 @@
                 </a:solidFill>
                 <a:latin typeface="Aileron"/>
               </a:rPr>
-              <a:t>Cultures differ in how they express and value love; Understanding these variations broadens our perspective on relational dynamics.</a:t>
+              <a:t>Monitoring website traffic provides insights into the effectiveness of your digital marketing efforts in driving visitors to your site.</a:t>
             </a:r>
           </a:p>
         </p:txBody>
@@ -8385,7 +8385,7 @@
                 </a:solidFill>
                 <a:latin typeface="Decalotype"/>
               </a:rPr>
-              <a:t>The Evolution of Love in Modern Society</a:t>
+              <a:t>Reporting &amp; Analysis</a:t>
             </a:r>
           </a:p>
         </p:txBody>
@@ -8435,7 +8435,7 @@
                 </a:solidFill>
                 <a:latin typeface="Aileron"/>
               </a:rPr>
-              <a:t>Online dating, social media, and instant communication have transformed how we find and maintain relationships; The influence can be both positive and negative.</a:t>
+              <a:t>Visualizing your marketing data through charts and graphs makes it easier to identify trends and patterns, facilitating data-driven decision-making.</a:t>
             </a:r>
           </a:p>
         </p:txBody>
@@ -8485,7 +8485,7 @@
                 </a:solidFill>
                 <a:latin typeface="Aileron"/>
               </a:rPr>
-              <a:t>Traditional relationship models are evolving, with increasing acceptance of diverse relationship structures; Discussions about topics like monogamy and cohabitation are gaining traction.</a:t>
+              <a:t>Creating regular performance reports allows you to track progress towards your marketing goals and identify areas for improvement.</a:t>
             </a:r>
           </a:p>
         </p:txBody>
@@ -8657,7 +8657,7 @@
                 </a:solidFill>
                 <a:latin typeface="Decalotype Bold"/>
               </a:rPr>
-              <a:t>Technology's Impact on Love</a:t>
+              <a:t>Data Visualization</a:t>
             </a:r>
           </a:p>
         </p:txBody>
@@ -8707,7 +8707,7 @@
                 </a:solidFill>
                 <a:latin typeface="Decalotype Bold"/>
               </a:rPr>
-              <a:t>Shifting Relationship Norms</a:t>
+              <a:t>Performance Reporting</a:t>
             </a:r>
           </a:p>
         </p:txBody>
@@ -8789,7 +8789,7 @@
                 </a:solidFill>
                 <a:latin typeface="Decalotype Bold"/>
               </a:rPr>
-              <a:t>Introduction to Love</a:t>
+              <a:t>SEO Fundamentals</a:t>
             </a:r>
           </a:p>
           <a:p>
@@ -9056,7 +9056,7 @@
                 </a:solidFill>
                 <a:latin typeface="Aileron Bold"/>
               </a:rPr>
-              <a:t>Distinguishing Love from Liking</a:t>
+              <a:t>Long-Tail Keywords</a:t>
             </a:r>
           </a:p>
         </p:txBody>
@@ -9118,7 +9118,7 @@
                 </a:solidFill>
                 <a:latin typeface="Aileron"/>
               </a:rPr>
-              <a:t>While liking involves positive feelings, love adds elements of intimacy, passion, and commitment; Differentiating these helps clarify our understanding of relational bonds.</a:t>
+              <a:t>Long-tail keywords are longer, more specific phrases that target a niche audience and often have lower competition, leading to higher conversion rates.</a:t>
             </a:r>
           </a:p>
           <a:p>
@@ -9178,7 +9178,7 @@
                 </a:solidFill>
                 <a:latin typeface="Aileron Bold"/>
               </a:rPr>
-              <a:t>Defining Love: A Multifaceted Emotion</a:t>
+              <a:t>Keyword Research</a:t>
             </a:r>
           </a:p>
         </p:txBody>
@@ -9231,7 +9231,7 @@
                 </a:solidFill>
                 <a:latin typeface="Aileron Bold"/>
               </a:rPr>
-              <a:t>The Spectrum of Love</a:t>
+              <a:t>Identifying Core Keywords</a:t>
             </a:r>
           </a:p>
         </p:txBody>
@@ -9296,7 +9296,7 @@
                 </a:solidFill>
                 <a:latin typeface="Aileron"/>
               </a:rPr>
-              <a:t>Love encompasses a wide range of emotions, from passionate attraction to deep affection and commitment; It's essential to recognize this spectrum to understand love's complexities.</a:t>
+              <a:t>Core keywords are the foundational terms that directly relate to your business and target audience's searches, acting as the cornerstone of your SEO strategy.</a:t>
             </a:r>
           </a:p>
         </p:txBody>
@@ -9378,7 +9378,7 @@
                 </a:solidFill>
                 <a:latin typeface="Decalotype"/>
               </a:rPr>
-              <a:t>The Significance of Love in Human Life</a:t>
+              <a:t>On-Page Optimization</a:t>
             </a:r>
           </a:p>
         </p:txBody>
@@ -9428,7 +9428,7 @@
                 </a:solidFill>
                 <a:latin typeface="Aileron"/>
               </a:rPr>
-              <a:t>Evolutionary psychology suggests the need for love is hardwired into our brains, impacting our well-being and survival; Attachment theory highlights its role in security and development.</a:t>
+              <a:t>Optimizing title tags with relevant keywords helps search engines understand the content of your page, improving your search ranking and click-through rate.</a:t>
             </a:r>
           </a:p>
         </p:txBody>
@@ -9478,7 +9478,7 @@
                 </a:solidFill>
                 <a:latin typeface="Aileron"/>
               </a:rPr>
-              <a:t>Studies show that fulfilling, loving relationships are linked to better physical health; Emotional well-being improves significantly when people experience love and support.</a:t>
+              <a:t>A compelling meta description encourages users to click on your search result, acting as a brief advertisement for your webpage's content.</a:t>
             </a:r>
           </a:p>
         </p:txBody>
@@ -9650,7 +9650,7 @@
                 </a:solidFill>
                 <a:latin typeface="Decalotype Bold"/>
               </a:rPr>
-              <a:t>Love as a Basic Human Need</a:t>
+              <a:t>Title Tag Optimization</a:t>
             </a:r>
           </a:p>
         </p:txBody>
@@ -9700,7 +9700,7 @@
                 </a:solidFill>
                 <a:latin typeface="Decalotype Bold"/>
               </a:rPr>
-              <a:t>Impact of Love on Health and Happiness</a:t>
+              <a:t>Meta Description</a:t>
             </a:r>
           </a:p>
         </p:txBody>
@@ -10184,7 +10184,7 @@
                 </a:solidFill>
                 <a:latin typeface="Decalotype Bold"/>
               </a:rPr>
-              <a:t>The Psychology of Love</a:t>
+              <a:t>PPC Advertising</a:t>
             </a:r>
           </a:p>
         </p:txBody>
@@ -10432,7 +10432,7 @@
                 </a:solidFill>
                 <a:latin typeface="Aileron Bold"/>
               </a:rPr>
-              <a:t>Adult Attachment Styles in Relationships</a:t>
+              <a:t>Targeting Options</a:t>
             </a:r>
           </a:p>
         </p:txBody>
@@ -10494,7 +10494,7 @@
                 </a:solidFill>
                 <a:latin typeface="Aileron"/>
               </a:rPr>
-              <a:t>Securely attached individuals tend to have healthier, more stable relationships; Insecure attachments can lead to conflict and dissatisfaction.</a:t>
+              <a:t>Precise targeting based on demographics, interests, and location helps ensure your ads reach the right audience, improving conversion rates.</a:t>
             </a:r>
           </a:p>
           <a:p>
@@ -10554,7 +10554,7 @@
                 </a:solidFill>
                 <a:latin typeface="Aileron Bold"/>
               </a:rPr>
-              <a:t>Attachment Theory and Love Styles</a:t>
+              <a:t>Campaign Structure</a:t>
             </a:r>
           </a:p>
         </p:txBody>
@@ -10607,7 +10607,7 @@
                 </a:solidFill>
                 <a:latin typeface="Aileron Bold"/>
               </a:rPr>
-              <a:t>Early Childhood's Influence</a:t>
+              <a:t>Ad Groups &amp; Keywords</a:t>
             </a:r>
           </a:p>
         </p:txBody>
@@ -10672,7 +10672,7 @@
                 </a:solidFill>
                 <a:latin typeface="Aileron"/>
               </a:rPr>
-              <a:t>Attachment styles formed in childhood (secure, anxious, avoidant) affect our approach to love and relationships; Understanding these patterns can improve relationship dynamics.</a:t>
+              <a:t>Well-organized ad groups containing closely related keywords are essential for creating relevant ads and maximizing your Quality Score.</a:t>
             </a:r>
           </a:p>
         </p:txBody>
@@ -10754,7 +10754,7 @@
                 </a:solidFill>
                 <a:latin typeface="Decalotype"/>
               </a:rPr>
-              <a:t>The Neurochemistry of Love</a:t>
+              <a:t>Ad Copy Optimization</a:t>
             </a:r>
           </a:p>
         </p:txBody>
@@ -10804,7 +10804,7 @@
                 </a:solidFill>
                 <a:latin typeface="Aileron"/>
               </a:rPr>
-              <a:t>Love triggers the release of hormones like dopamine, oxytocin, and serotonin, creating pleasurable sensations; These chemical processes drive attraction, bonding, and attachment.</a:t>
+              <a:t>Crafting attention-grabbing headlines that include keywords and a clear value proposition encourages users to click on your ads.</a:t>
             </a:r>
           </a:p>
         </p:txBody>
@@ -10854,7 +10854,7 @@
                 </a:solidFill>
                 <a:latin typeface="Aileron"/>
               </a:rPr>
-              <a:t>Brain imaging studies reveal that love activates specific regions associated with reward, motivation, and emotion regulation; Romantic love shares neural pathways with addiction.</a:t>
+              <a:t>A strong call to action prompts users to take the desired action, such as visiting your website, making a purchase, or filling out a form.</a:t>
             </a:r>
           </a:p>
         </p:txBody>
@@ -11026,7 +11026,7 @@
                 </a:solidFill>
                 <a:latin typeface="Decalotype Bold"/>
               </a:rPr>
-              <a:t>Hormones and Neurotransmitters</a:t>
+              <a:t>Compelling Headlines</a:t>
             </a:r>
           </a:p>
         </p:txBody>
@@ -11076,7 +11076,7 @@
                 </a:solidFill>
                 <a:latin typeface="Decalotype Bold"/>
               </a:rPr>
-              <a:t>The Brain's Response to Love</a:t>
+              <a:t>Call to Action</a:t>
             </a:r>
           </a:p>
         </p:txBody>
